--- a/apresentacao.pptx
+++ b/apresentacao.pptx
@@ -10,6 +10,22 @@
     <p:sldId id="258" r:id="rId4"/>
     <p:sldId id="259" r:id="rId5"/>
     <p:sldId id="260" r:id="rId6"/>
+    <p:sldId id="261" r:id="rId7"/>
+    <p:sldId id="262" r:id="rId8"/>
+    <p:sldId id="263" r:id="rId9"/>
+    <p:sldId id="264" r:id="rId10"/>
+    <p:sldId id="265" r:id="rId11"/>
+    <p:sldId id="266" r:id="rId12"/>
+    <p:sldId id="267" r:id="rId13"/>
+    <p:sldId id="268" r:id="rId14"/>
+    <p:sldId id="269" r:id="rId15"/>
+    <p:sldId id="270" r:id="rId16"/>
+    <p:sldId id="271" r:id="rId17"/>
+    <p:sldId id="272" r:id="rId18"/>
+    <p:sldId id="273" r:id="rId19"/>
+    <p:sldId id="274" r:id="rId20"/>
+    <p:sldId id="275" r:id="rId21"/>
+    <p:sldId id="276" r:id="rId22"/>
   </p:sldIdLst>
   <p:sldSz cx="9144000" cy="5143500" type="screen16x9"/>
   <p:notesSz cx="6858000" cy="9144000"/>
@@ -3186,6 +3202,770 @@
 </p:sld>
 </file>
 
+<file path=ppt/slides/slide10.xml><?xml version="1.0" encoding="utf-8"?>
+<p:sld xmlns:a="http://schemas.openxmlformats.org/drawingml/2006/main" xmlns:r="http://schemas.openxmlformats.org/officeDocument/2006/relationships" xmlns:p="http://schemas.openxmlformats.org/presentationml/2006/main">
+  <p:cSld>
+    <p:spTree>
+      <p:nvGrpSpPr>
+        <p:cNvPr id="1" name=""/>
+        <p:cNvGrpSpPr/>
+        <p:nvPr/>
+      </p:nvGrpSpPr>
+      <p:grpSpPr>
+        <a:xfrm>
+          <a:off x="0" y="0"/>
+          <a:ext cx="0" cy="0"/>
+          <a:chOff x="0" y="0"/>
+          <a:chExt cx="0" cy="0"/>
+        </a:xfrm>
+      </p:grpSpPr>
+      <p:sp>
+        <p:nvSpPr>
+          <p:cNvPr id="2" name="Title 1"/>
+          <p:cNvSpPr>
+            <a:spLocks noGrp="1"/>
+          </p:cNvSpPr>
+          <p:nvPr>
+            <p:ph type="title"/>
+          </p:nvPr>
+        </p:nvSpPr>
+        <p:spPr/>
+        <p:txBody>
+          <a:bodyPr/>
+          <a:lstStyle/>
+          <a:p>
+            <a:pPr lvl="0" indent="0" marL="0">
+              <a:buNone/>
+            </a:pPr>
+            <a:r>
+              <a:rPr/>
+              <a:t>Mecanismos na UI</a:t>
+            </a:r>
+          </a:p>
+        </p:txBody>
+      </p:sp>
+      <p:sp>
+        <p:nvSpPr>
+          <p:cNvPr id="3" name="Content Placeholder 2"/>
+          <p:cNvSpPr>
+            <a:spLocks noGrp="1"/>
+          </p:cNvSpPr>
+          <p:nvPr>
+            <p:ph idx="1"/>
+          </p:nvPr>
+        </p:nvSpPr>
+        <p:spPr/>
+        <p:txBody>
+          <a:bodyPr/>
+          <a:lstStyle/>
+          <a:p>
+            <a:pPr lvl="0" indent="0" marL="0">
+              <a:buNone/>
+            </a:pPr>
+            <a:r>
+              <a:rPr/>
+              <a:t>Outra parte é a sidebar. Ela cria um espaço, na lateral esquerda do programa, e funciona como uma divisão de páginas, como um navegador de internet com diversas abas abertas.</a:t>
+            </a:r>
+          </a:p>
+        </p:txBody>
+      </p:sp>
+    </p:spTree>
+  </p:cSld>
+</p:sld>
+</file>
+
+<file path=ppt/slides/slide11.xml><?xml version="1.0" encoding="utf-8"?>
+<p:sld xmlns:a="http://schemas.openxmlformats.org/drawingml/2006/main" xmlns:r="http://schemas.openxmlformats.org/officeDocument/2006/relationships" xmlns:p="http://schemas.openxmlformats.org/presentationml/2006/main">
+  <p:cSld>
+    <p:spTree>
+      <p:nvGrpSpPr>
+        <p:cNvPr id="1" name=""/>
+        <p:cNvGrpSpPr/>
+        <p:nvPr/>
+      </p:nvGrpSpPr>
+      <p:grpSpPr>
+        <a:xfrm>
+          <a:off x="0" y="0"/>
+          <a:ext cx="0" cy="0"/>
+          <a:chOff x="0" y="0"/>
+          <a:chExt cx="0" cy="0"/>
+        </a:xfrm>
+      </p:grpSpPr>
+      <p:sp>
+        <p:nvSpPr>
+          <p:cNvPr id="2" name="Title 1"/>
+          <p:cNvSpPr>
+            <a:spLocks noGrp="1"/>
+          </p:cNvSpPr>
+          <p:nvPr>
+            <p:ph type="title"/>
+          </p:nvPr>
+        </p:nvSpPr>
+        <p:spPr/>
+        <p:txBody>
+          <a:bodyPr/>
+          <a:lstStyle/>
+          <a:p>
+            <a:pPr lvl="0" indent="0" marL="0">
+              <a:buNone/>
+            </a:pPr>
+            <a:r>
+              <a:rPr/>
+              <a:t>Mecanismos na UI</a:t>
+            </a:r>
+          </a:p>
+        </p:txBody>
+      </p:sp>
+      <p:sp>
+        <p:nvSpPr>
+          <p:cNvPr id="3" name="Content Placeholder 2"/>
+          <p:cNvSpPr>
+            <a:spLocks noGrp="1"/>
+          </p:cNvSpPr>
+          <p:nvPr>
+            <p:ph idx="1"/>
+          </p:nvPr>
+        </p:nvSpPr>
+        <p:spPr/>
+        <p:txBody>
+          <a:bodyPr/>
+          <a:lstStyle/>
+          <a:p>
+            <a:pPr lvl="0" indent="0" marL="0">
+              <a:buNone/>
+            </a:pPr>
+            <a:r>
+              <a:rPr/>
+              <a:t>O mais importante dos mecanismos é o body. Nele é onde preparamos toda a interface para receber as funções do server através dos inputs.</a:t>
+            </a:r>
+          </a:p>
+        </p:txBody>
+      </p:sp>
+    </p:spTree>
+  </p:cSld>
+</p:sld>
+</file>
+
+<file path=ppt/slides/slide12.xml><?xml version="1.0" encoding="utf-8"?>
+<p:sld xmlns:a="http://schemas.openxmlformats.org/drawingml/2006/main" xmlns:r="http://schemas.openxmlformats.org/officeDocument/2006/relationships" xmlns:p="http://schemas.openxmlformats.org/presentationml/2006/main">
+  <p:cSld>
+    <p:spTree>
+      <p:nvGrpSpPr>
+        <p:cNvPr id="1" name=""/>
+        <p:cNvGrpSpPr/>
+        <p:nvPr/>
+      </p:nvGrpSpPr>
+      <p:grpSpPr>
+        <a:xfrm>
+          <a:off x="0" y="0"/>
+          <a:ext cx="0" cy="0"/>
+          <a:chOff x="0" y="0"/>
+          <a:chExt cx="0" cy="0"/>
+        </a:xfrm>
+      </p:grpSpPr>
+      <p:sp>
+        <p:nvSpPr>
+          <p:cNvPr id="2" name="Title 1"/>
+          <p:cNvSpPr>
+            <a:spLocks noGrp="1"/>
+          </p:cNvSpPr>
+          <p:nvPr>
+            <p:ph type="title"/>
+          </p:nvPr>
+        </p:nvSpPr>
+        <p:spPr/>
+        <p:txBody>
+          <a:bodyPr/>
+          <a:lstStyle/>
+          <a:p>
+            <a:pPr lvl="0" indent="0" marL="0">
+              <a:buNone/>
+            </a:pPr>
+            <a:r>
+              <a:rPr/>
+              <a:t>UI Inputs</a:t>
+            </a:r>
+          </a:p>
+        </p:txBody>
+      </p:sp>
+      <p:sp>
+        <p:nvSpPr>
+          <p:cNvPr id="3" name="Content Placeholder 2"/>
+          <p:cNvSpPr>
+            <a:spLocks noGrp="1"/>
+          </p:cNvSpPr>
+          <p:nvPr>
+            <p:ph idx="1"/>
+          </p:nvPr>
+        </p:nvSpPr>
+        <p:spPr/>
+        <p:txBody>
+          <a:bodyPr/>
+          <a:lstStyle/>
+          <a:p>
+            <a:pPr lvl="0" indent="0" marL="0">
+              <a:buNone/>
+            </a:pPr>
+            <a:r>
+              <a:rPr/>
+              <a:t>Alguns inputs são:</a:t>
+            </a:r>
+          </a:p>
+          <a:p>
+            <a:pPr lvl="0"/>
+            <a:r>
+              <a:rPr/>
+              <a:t>textInput (Adiciona uma caixa de texto);</a:t>
+            </a:r>
+          </a:p>
+          <a:p>
+            <a:pPr lvl="0"/>
+            <a:r>
+              <a:rPr/>
+              <a:t>DateInput (Adiciona um input de data);</a:t>
+            </a:r>
+          </a:p>
+          <a:p>
+            <a:pPr lvl="0"/>
+            <a:r>
+              <a:rPr/>
+              <a:t>SliderInput (Adiciona uma escolha de número);</a:t>
+            </a:r>
+          </a:p>
+          <a:p>
+            <a:pPr lvl="0"/>
+            <a:r>
+              <a:rPr/>
+              <a:t>RadioButtons (Adiciona uma escolha de botões);</a:t>
+            </a:r>
+          </a:p>
+          <a:p>
+            <a:pPr lvl="0"/>
+            <a:r>
+              <a:rPr/>
+              <a:t>CheckBox (Adiciona uma escolha de caixas).</a:t>
+            </a:r>
+          </a:p>
+          <a:p>
+            <a:pPr lvl="0" indent="0" marL="0">
+              <a:buNone/>
+            </a:pPr>
+            <a:r>
+              <a:rPr/>
+              <a:t>Entre diversos outros.</a:t>
+            </a:r>
+          </a:p>
+        </p:txBody>
+      </p:sp>
+    </p:spTree>
+  </p:cSld>
+</p:sld>
+</file>
+
+<file path=ppt/slides/slide13.xml><?xml version="1.0" encoding="utf-8"?>
+<p:sld xmlns:a="http://schemas.openxmlformats.org/drawingml/2006/main" xmlns:r="http://schemas.openxmlformats.org/officeDocument/2006/relationships" xmlns:p="http://schemas.openxmlformats.org/presentationml/2006/main">
+  <p:cSld>
+    <p:spTree>
+      <p:nvGrpSpPr>
+        <p:cNvPr id="1" name=""/>
+        <p:cNvGrpSpPr/>
+        <p:nvPr/>
+      </p:nvGrpSpPr>
+      <p:grpSpPr>
+        <a:xfrm>
+          <a:off x="0" y="0"/>
+          <a:ext cx="0" cy="0"/>
+          <a:chOff x="0" y="0"/>
+          <a:chExt cx="0" cy="0"/>
+        </a:xfrm>
+      </p:grpSpPr>
+      <p:sp>
+        <p:nvSpPr>
+          <p:cNvPr id="2" name="Title 1"/>
+          <p:cNvSpPr>
+            <a:spLocks noGrp="1"/>
+          </p:cNvSpPr>
+          <p:nvPr>
+            <p:ph type="title"/>
+          </p:nvPr>
+        </p:nvSpPr>
+        <p:spPr/>
+        <p:txBody>
+          <a:bodyPr/>
+          <a:lstStyle/>
+          <a:p>
+            <a:pPr lvl="0" indent="0" marL="0">
+              <a:buNone/>
+            </a:pPr>
+            <a:r>
+              <a:rPr/>
+              <a:t>Server</a:t>
+            </a:r>
+          </a:p>
+        </p:txBody>
+      </p:sp>
+      <p:sp>
+        <p:nvSpPr>
+          <p:cNvPr id="3" name="Content Placeholder 2"/>
+          <p:cNvSpPr>
+            <a:spLocks noGrp="1"/>
+          </p:cNvSpPr>
+          <p:nvPr>
+            <p:ph idx="1"/>
+          </p:nvPr>
+        </p:nvSpPr>
+        <p:spPr/>
+        <p:txBody>
+          <a:bodyPr/>
+          <a:lstStyle/>
+          <a:p>
+            <a:pPr lvl="0" indent="0" marL="0">
+              <a:buNone/>
+            </a:pPr>
+            <a:r>
+              <a:rPr/>
+              <a:t>No server é onde a chamada das funções entra. Nele, são realizados os filtros propostos pela UI, além da manipulação dos dados. Após isso, envio para a UI o que foi requerido, como um gráfico ou uma tabela.</a:t>
+            </a:r>
+          </a:p>
+        </p:txBody>
+      </p:sp>
+    </p:spTree>
+  </p:cSld>
+</p:sld>
+</file>
+
+<file path=ppt/slides/slide14.xml><?xml version="1.0" encoding="utf-8"?>
+<p:sld xmlns:a="http://schemas.openxmlformats.org/drawingml/2006/main" xmlns:r="http://schemas.openxmlformats.org/officeDocument/2006/relationships" xmlns:p="http://schemas.openxmlformats.org/presentationml/2006/main">
+  <p:cSld>
+    <p:spTree>
+      <p:nvGrpSpPr>
+        <p:cNvPr id="1" name=""/>
+        <p:cNvGrpSpPr/>
+        <p:nvPr/>
+      </p:nvGrpSpPr>
+      <p:grpSpPr>
+        <a:xfrm>
+          <a:off x="0" y="0"/>
+          <a:ext cx="0" cy="0"/>
+          <a:chOff x="0" y="0"/>
+          <a:chExt cx="0" cy="0"/>
+        </a:xfrm>
+      </p:grpSpPr>
+      <p:sp>
+        <p:nvSpPr>
+          <p:cNvPr id="2" name="Title 1"/>
+          <p:cNvSpPr>
+            <a:spLocks noGrp="1"/>
+          </p:cNvSpPr>
+          <p:nvPr>
+            <p:ph type="title"/>
+          </p:nvPr>
+        </p:nvSpPr>
+        <p:spPr/>
+        <p:txBody>
+          <a:bodyPr/>
+          <a:lstStyle/>
+          <a:p>
+            <a:pPr lvl="0" indent="0" marL="0">
+              <a:buNone/>
+            </a:pPr>
+            <a:r>
+              <a:rPr/>
+              <a:t>Utilitários</a:t>
+            </a:r>
+          </a:p>
+        </p:txBody>
+      </p:sp>
+      <p:sp>
+        <p:nvSpPr>
+          <p:cNvPr id="3" name="Content Placeholder 2"/>
+          <p:cNvSpPr>
+            <a:spLocks noGrp="1"/>
+          </p:cNvSpPr>
+          <p:nvPr>
+            <p:ph idx="1"/>
+          </p:nvPr>
+        </p:nvSpPr>
+        <p:spPr/>
+        <p:txBody>
+          <a:bodyPr/>
+          <a:lstStyle/>
+          <a:p>
+            <a:pPr lvl="0" indent="0" marL="0">
+              <a:buNone/>
+            </a:pPr>
+            <a:r>
+              <a:rPr/>
+              <a:t>Pode-se utilizar diversos outros pacotes para que o aplicativo seja realizado. O mais utilizado para a visualização de dados é o GGPlot, que gera gráficos. Além dele, são utilizados diversos outros, como o Dplyr, que mexe com os bancos de dados internamente no aplicativo.</a:t>
+            </a:r>
+          </a:p>
+        </p:txBody>
+      </p:sp>
+    </p:spTree>
+  </p:cSld>
+</p:sld>
+</file>
+
+<file path=ppt/slides/slide15.xml><?xml version="1.0" encoding="utf-8"?>
+<p:sld xmlns:a="http://schemas.openxmlformats.org/drawingml/2006/main" xmlns:r="http://schemas.openxmlformats.org/officeDocument/2006/relationships" xmlns:p="http://schemas.openxmlformats.org/presentationml/2006/main">
+  <p:cSld>
+    <p:spTree>
+      <p:nvGrpSpPr>
+        <p:cNvPr id="1" name=""/>
+        <p:cNvGrpSpPr/>
+        <p:nvPr/>
+      </p:nvGrpSpPr>
+      <p:grpSpPr>
+        <a:xfrm>
+          <a:off x="0" y="0"/>
+          <a:ext cx="0" cy="0"/>
+          <a:chOff x="0" y="0"/>
+          <a:chExt cx="0" cy="0"/>
+        </a:xfrm>
+      </p:grpSpPr>
+      <p:sp>
+        <p:nvSpPr>
+          <p:cNvPr id="2" name="Title 1"/>
+          <p:cNvSpPr>
+            <a:spLocks noGrp="1"/>
+          </p:cNvSpPr>
+          <p:nvPr>
+            <p:ph type="title"/>
+          </p:nvPr>
+        </p:nvSpPr>
+        <p:spPr/>
+        <p:txBody>
+          <a:bodyPr/>
+          <a:lstStyle/>
+          <a:p>
+            <a:pPr lvl="0" indent="0" marL="0">
+              <a:buNone/>
+            </a:pPr>
+            <a:r>
+              <a:rPr/>
+              <a:t>Tidyverse</a:t>
+            </a:r>
+          </a:p>
+        </p:txBody>
+      </p:sp>
+      <p:sp>
+        <p:nvSpPr>
+          <p:cNvPr id="3" name="Content Placeholder 2"/>
+          <p:cNvSpPr>
+            <a:spLocks noGrp="1"/>
+          </p:cNvSpPr>
+          <p:nvPr>
+            <p:ph idx="1"/>
+          </p:nvPr>
+        </p:nvSpPr>
+        <p:spPr/>
+        <p:txBody>
+          <a:bodyPr/>
+          <a:lstStyle/>
+          <a:p>
+            <a:pPr lvl="0" indent="0" marL="0">
+              <a:buNone/>
+            </a:pPr>
+            <a:r>
+              <a:rPr/>
+              <a:t>Com o pacote tidyverse, são chamados outras diversas libraries no R, como o dplyr, comentado anteriormente. Nele, podemos realizar a filtragem do banco proposta na UI mais facilmente, além de alterações para que o banco encaixe na forma desejada pela função.</a:t>
+            </a:r>
+          </a:p>
+        </p:txBody>
+      </p:sp>
+    </p:spTree>
+  </p:cSld>
+</p:sld>
+</file>
+
+<file path=ppt/slides/slide16.xml><?xml version="1.0" encoding="utf-8"?>
+<p:sld xmlns:a="http://schemas.openxmlformats.org/drawingml/2006/main" xmlns:r="http://schemas.openxmlformats.org/officeDocument/2006/relationships" xmlns:p="http://schemas.openxmlformats.org/presentationml/2006/main">
+  <p:cSld>
+    <p:spTree>
+      <p:nvGrpSpPr>
+        <p:cNvPr id="1" name=""/>
+        <p:cNvGrpSpPr/>
+        <p:nvPr/>
+      </p:nvGrpSpPr>
+      <p:grpSpPr>
+        <a:xfrm>
+          <a:off x="0" y="0"/>
+          <a:ext cx="0" cy="0"/>
+          <a:chOff x="0" y="0"/>
+          <a:chExt cx="0" cy="0"/>
+        </a:xfrm>
+      </p:grpSpPr>
+      <p:sp>
+        <p:nvSpPr>
+          <p:cNvPr id="2" name="Title 1"/>
+          <p:cNvSpPr>
+            <a:spLocks noGrp="1"/>
+          </p:cNvSpPr>
+          <p:nvPr>
+            <p:ph type="title"/>
+          </p:nvPr>
+        </p:nvSpPr>
+        <p:spPr/>
+        <p:txBody>
+          <a:bodyPr/>
+          <a:lstStyle/>
+          <a:p>
+            <a:pPr lvl="0" indent="0" marL="0">
+              <a:buNone/>
+            </a:pPr>
+            <a:r>
+              <a:rPr/>
+              <a:t>GGPlot</a:t>
+            </a:r>
+          </a:p>
+        </p:txBody>
+      </p:sp>
+      <p:sp>
+        <p:nvSpPr>
+          <p:cNvPr id="3" name="Content Placeholder 2"/>
+          <p:cNvSpPr>
+            <a:spLocks noGrp="1"/>
+          </p:cNvSpPr>
+          <p:nvPr>
+            <p:ph idx="1"/>
+          </p:nvPr>
+        </p:nvSpPr>
+        <p:spPr/>
+        <p:txBody>
+          <a:bodyPr/>
+          <a:lstStyle/>
+          <a:p>
+            <a:pPr lvl="0" indent="0" marL="0">
+              <a:buNone/>
+            </a:pPr>
+            <a:r>
+              <a:rPr/>
+              <a:t>O GGPlot também é contido no tidyverse, e ele é o pacote mais importante para a visualização dos dados. Nele, podemos chamar diversos gráficos que entram na interface e ilustram o que precisamos.</a:t>
+            </a:r>
+          </a:p>
+        </p:txBody>
+      </p:sp>
+    </p:spTree>
+  </p:cSld>
+</p:sld>
+</file>
+
+<file path=ppt/slides/slide17.xml><?xml version="1.0" encoding="utf-8"?>
+<p:sld xmlns:a="http://schemas.openxmlformats.org/drawingml/2006/main" xmlns:r="http://schemas.openxmlformats.org/officeDocument/2006/relationships" xmlns:p="http://schemas.openxmlformats.org/presentationml/2006/main">
+  <p:cSld>
+    <p:spTree>
+      <p:nvGrpSpPr>
+        <p:cNvPr id="1" name=""/>
+        <p:cNvGrpSpPr/>
+        <p:nvPr/>
+      </p:nvGrpSpPr>
+      <p:grpSpPr>
+        <a:xfrm>
+          <a:off x="0" y="0"/>
+          <a:ext cx="0" cy="0"/>
+          <a:chOff x="0" y="0"/>
+          <a:chExt cx="0" cy="0"/>
+        </a:xfrm>
+      </p:grpSpPr>
+      <p:sp>
+        <p:nvSpPr>
+          <p:cNvPr id="2" name="Title 1"/>
+          <p:cNvSpPr>
+            <a:spLocks noGrp="1"/>
+          </p:cNvSpPr>
+          <p:nvPr>
+            <p:ph type="title"/>
+          </p:nvPr>
+        </p:nvSpPr>
+        <p:spPr/>
+        <p:txBody>
+          <a:bodyPr/>
+          <a:lstStyle/>
+          <a:p>
+            <a:pPr lvl="0" indent="0" marL="0">
+              <a:buNone/>
+            </a:pPr>
+            <a:r>
+              <a:rPr/>
+              <a:t>Plotly</a:t>
+            </a:r>
+          </a:p>
+        </p:txBody>
+      </p:sp>
+      <p:sp>
+        <p:nvSpPr>
+          <p:cNvPr id="3" name="Content Placeholder 2"/>
+          <p:cNvSpPr>
+            <a:spLocks noGrp="1"/>
+          </p:cNvSpPr>
+          <p:nvPr>
+            <p:ph idx="1"/>
+          </p:nvPr>
+        </p:nvSpPr>
+        <p:spPr/>
+        <p:txBody>
+          <a:bodyPr/>
+          <a:lstStyle/>
+          <a:p>
+            <a:pPr lvl="0" indent="0" marL="0">
+              <a:buNone/>
+            </a:pPr>
+            <a:r>
+              <a:rPr/>
+              <a:t>No plotly, podemos utilizar o GGPlot de uma forma mais prática, observando os resultados ao colocar o mouse em cima da observação.</a:t>
+            </a:r>
+          </a:p>
+        </p:txBody>
+      </p:sp>
+    </p:spTree>
+  </p:cSld>
+</p:sld>
+</file>
+
+<file path=ppt/slides/slide18.xml><?xml version="1.0" encoding="utf-8"?>
+<p:sld xmlns:a="http://schemas.openxmlformats.org/drawingml/2006/main" xmlns:r="http://schemas.openxmlformats.org/officeDocument/2006/relationships" xmlns:p="http://schemas.openxmlformats.org/presentationml/2006/main">
+  <p:cSld>
+    <p:spTree>
+      <p:nvGrpSpPr>
+        <p:cNvPr id="1" name=""/>
+        <p:cNvGrpSpPr/>
+        <p:nvPr/>
+      </p:nvGrpSpPr>
+      <p:grpSpPr>
+        <a:xfrm>
+          <a:off x="0" y="0"/>
+          <a:ext cx="0" cy="0"/>
+          <a:chOff x="0" y="0"/>
+          <a:chExt cx="0" cy="0"/>
+        </a:xfrm>
+      </p:grpSpPr>
+      <p:sp>
+        <p:nvSpPr>
+          <p:cNvPr id="2" name="Title 1"/>
+          <p:cNvSpPr>
+            <a:spLocks noGrp="1"/>
+          </p:cNvSpPr>
+          <p:nvPr>
+            <p:ph type="title"/>
+          </p:nvPr>
+        </p:nvSpPr>
+        <p:spPr/>
+        <p:txBody>
+          <a:bodyPr/>
+          <a:lstStyle/>
+          <a:p>
+            <a:pPr lvl="0" indent="0" marL="0">
+              <a:buNone/>
+            </a:pPr>
+            <a:r>
+              <a:rPr/>
+              <a:t>Dicas de aplicativos</a:t>
+            </a:r>
+          </a:p>
+        </p:txBody>
+      </p:sp>
+      <p:sp>
+        <p:nvSpPr>
+          <p:cNvPr id="3" name="Content Placeholder 2"/>
+          <p:cNvSpPr>
+            <a:spLocks noGrp="1"/>
+          </p:cNvSpPr>
+          <p:nvPr>
+            <p:ph idx="1"/>
+          </p:nvPr>
+        </p:nvSpPr>
+        <p:spPr/>
+        <p:txBody>
+          <a:bodyPr/>
+          <a:lstStyle/>
+          <a:p>
+            <a:pPr lvl="0" indent="0" marL="0">
+              <a:buNone/>
+            </a:pPr>
+            <a:r>
+              <a:rPr/>
+              <a:t>A minha maior dica para a criação dos aplicativos é: Recicle os códigos. Vamos fazer um aplicativo nesta aula. Portanto, peguem este aplicativo e sempre criem novos a partir dele. Ctrl C + Ctrl V é uma ferramenta poderosa que realmente ajuda nestes casos</a:t>
+            </a:r>
+          </a:p>
+        </p:txBody>
+      </p:sp>
+    </p:spTree>
+  </p:cSld>
+</p:sld>
+</file>
+
+<file path=ppt/slides/slide19.xml><?xml version="1.0" encoding="utf-8"?>
+<p:sld xmlns:a="http://schemas.openxmlformats.org/drawingml/2006/main" xmlns:r="http://schemas.openxmlformats.org/officeDocument/2006/relationships" xmlns:p="http://schemas.openxmlformats.org/presentationml/2006/main">
+  <p:cSld>
+    <p:spTree>
+      <p:nvGrpSpPr>
+        <p:cNvPr id="1" name=""/>
+        <p:cNvGrpSpPr/>
+        <p:nvPr/>
+      </p:nvGrpSpPr>
+      <p:grpSpPr>
+        <a:xfrm>
+          <a:off x="0" y="0"/>
+          <a:ext cx="0" cy="0"/>
+          <a:chOff x="0" y="0"/>
+          <a:chExt cx="0" cy="0"/>
+        </a:xfrm>
+      </p:grpSpPr>
+      <p:sp>
+        <p:nvSpPr>
+          <p:cNvPr id="2" name="Title 1"/>
+          <p:cNvSpPr>
+            <a:spLocks noGrp="1"/>
+          </p:cNvSpPr>
+          <p:nvPr>
+            <p:ph type="title"/>
+          </p:nvPr>
+        </p:nvSpPr>
+        <p:spPr/>
+        <p:txBody>
+          <a:bodyPr/>
+          <a:lstStyle/>
+          <a:p>
+            <a:pPr lvl="0" indent="0" marL="0">
+              <a:buNone/>
+            </a:pPr>
+            <a:r>
+              <a:rPr/>
+              <a:t>Trabalhos NAU</a:t>
+            </a:r>
+          </a:p>
+        </p:txBody>
+      </p:sp>
+      <p:sp>
+        <p:nvSpPr>
+          <p:cNvPr id="3" name="Content Placeholder 2"/>
+          <p:cNvSpPr>
+            <a:spLocks noGrp="1"/>
+          </p:cNvSpPr>
+          <p:nvPr>
+            <p:ph idx="1"/>
+          </p:nvPr>
+        </p:nvSpPr>
+        <p:spPr/>
+        <p:txBody>
+          <a:bodyPr/>
+          <a:lstStyle/>
+          <a:p>
+            <a:pPr lvl="0" indent="0" marL="0">
+              <a:buNone/>
+            </a:pPr>
+            <a:r>
+              <a:rPr/>
+              <a:t>Este conhecimento em shiny foi criado e evoluído no NAU do IME da UFRGS. Isso porque, ao apresentarmos os dados, criamos aplicativos em Shiny para que os mesmos fossem mais fáceis de atualizar e visualizar. Estes aplicativos têm relação com a avaliação do nosso instituto, podendo trazer resultados mais práticos aos gestores e melhorando o nosso meio.</a:t>
+            </a:r>
+          </a:p>
+        </p:txBody>
+      </p:sp>
+    </p:spTree>
+  </p:cSld>
+</p:sld>
+</file>
+
 <file path=ppt/slides/slide2.xml><?xml version="1.0" encoding="utf-8"?>
 <p:sld xmlns:a="http://schemas.openxmlformats.org/drawingml/2006/main" xmlns:r="http://schemas.openxmlformats.org/officeDocument/2006/relationships" xmlns:p="http://schemas.openxmlformats.org/presentationml/2006/main">
   <p:cSld>
@@ -3213,7 +3993,12 @@
             <p:ph type="title"/>
           </p:nvPr>
         </p:nvSpPr>
-        <p:spPr/>
+        <p:spPr>
+          <a:xfrm>
+            <a:off x="457201" y="204787"/>
+            <a:ext cx="3008313" cy="871538"/>
+          </a:xfrm>
+        </p:spPr>
         <p:txBody>
           <a:bodyPr/>
           <a:lstStyle/>
@@ -3230,6 +4015,117 @@
       </p:sp>
       <p:sp>
         <p:nvSpPr>
+          <p:cNvPr id="4" name="Text Placeholder 3"/>
+          <p:cNvSpPr>
+            <a:spLocks noGrp="1"/>
+          </p:cNvSpPr>
+          <p:nvPr>
+            <p:ph idx="2" sz="half" type="body"/>
+          </p:nvPr>
+        </p:nvSpPr>
+        <p:spPr/>
+        <p:txBody>
+          <a:bodyPr/>
+          <a:lstStyle/>
+          <a:p>
+            <a:pPr lvl="0" indent="0" marL="0">
+              <a:buNone/>
+            </a:pPr>
+            <a:r>
+              <a:rPr/>
+              <a:t>Meu nome é Antonio Oss Boll.</a:t>
+            </a:r>
+          </a:p>
+          <a:p>
+            <a:pPr lvl="0" indent="0" marL="0">
+              <a:buNone/>
+            </a:pPr>
+            <a:r>
+              <a:rPr/>
+              <a:t>Sou aluno de graduação da UFRGS em estatística e irei apresentar a vocês um pouco sobre Shiny Apps no RStudio.</a:t>
+            </a:r>
+          </a:p>
+        </p:txBody>
+      </p:sp>
+      <p:pic>
+        <p:nvPicPr>
+          <p:cNvPr descr="https://miro.medium.com/max/521/1*bl7hSugBuCihsFz9CVYieA.png" id="0" name="Picture 1"/>
+          <p:cNvPicPr>
+            <a:picLocks noGrp="1" noChangeAspect="1"/>
+          </p:cNvPicPr>
+          <p:nvPr/>
+        </p:nvPicPr>
+        <p:blipFill>
+          <a:blip r:embed="rId2"/>
+          <a:stretch>
+            <a:fillRect/>
+          </a:stretch>
+        </p:blipFill>
+        <p:spPr bwMode="auto">
+          <a:xfrm>
+            <a:off x="3568700" y="1409700"/>
+            <a:ext cx="5105400" cy="1968500"/>
+          </a:xfrm>
+          <a:prstGeom prst="rect">
+            <a:avLst/>
+          </a:prstGeom>
+          <a:noFill/>
+          <a:ln w="9525">
+            <a:noFill/>
+            <a:headEnd/>
+            <a:tailEnd/>
+          </a:ln>
+        </p:spPr>
+      </p:pic>
+    </p:spTree>
+  </p:cSld>
+</p:sld>
+</file>
+
+<file path=ppt/slides/slide20.xml><?xml version="1.0" encoding="utf-8"?>
+<p:sld xmlns:a="http://schemas.openxmlformats.org/drawingml/2006/main" xmlns:r="http://schemas.openxmlformats.org/officeDocument/2006/relationships" xmlns:p="http://schemas.openxmlformats.org/presentationml/2006/main">
+  <p:cSld>
+    <p:spTree>
+      <p:nvGrpSpPr>
+        <p:cNvPr id="1" name=""/>
+        <p:cNvGrpSpPr/>
+        <p:nvPr/>
+      </p:nvGrpSpPr>
+      <p:grpSpPr>
+        <a:xfrm>
+          <a:off x="0" y="0"/>
+          <a:ext cx="0" cy="0"/>
+          <a:chOff x="0" y="0"/>
+          <a:chExt cx="0" cy="0"/>
+        </a:xfrm>
+      </p:grpSpPr>
+      <p:sp>
+        <p:nvSpPr>
+          <p:cNvPr id="2" name="Title 1"/>
+          <p:cNvSpPr>
+            <a:spLocks noGrp="1"/>
+          </p:cNvSpPr>
+          <p:nvPr>
+            <p:ph type="title"/>
+          </p:nvPr>
+        </p:nvSpPr>
+        <p:spPr/>
+        <p:txBody>
+          <a:bodyPr/>
+          <a:lstStyle/>
+          <a:p>
+            <a:pPr lvl="0" indent="0" marL="0">
+              <a:buNone/>
+            </a:pPr>
+            <a:r>
+              <a:rPr/>
+              <a:t>Bibliografias</a:t>
+            </a:r>
+          </a:p>
+        </p:txBody>
+      </p:sp>
+      <p:sp>
+        <p:nvSpPr>
           <p:cNvPr id="3" name="Content Placeholder 2"/>
           <p:cNvSpPr>
             <a:spLocks noGrp="1"/>
@@ -3247,8 +4143,147 @@
               <a:buNone/>
             </a:pPr>
             <a:r>
-              <a:rPr/>
-              <a:t>Meu nome é Antonio oss boll. Sou aluno de graduação da UFRGS em estatística e irei apresentar a vocês um pouco sobre Shiny Apps no RStudio. </a:t>
+              <a:rPr>
+                <a:hlinkClick r:id="rId2"/>
+              </a:rPr>
+              <a:t>https://www.paulamoraga.com/book-geospatial/sec-shiny.html</a:t>
+            </a:r>
+          </a:p>
+          <a:p>
+            <a:pPr lvl="0" indent="0" marL="0">
+              <a:buNone/>
+            </a:pPr>
+            <a:r>
+              <a:rPr>
+                <a:hlinkClick r:id="rId3"/>
+              </a:rPr>
+              <a:t>https://shiny.rstudio.com/articles/basics.html</a:t>
+            </a:r>
+          </a:p>
+          <a:p>
+            <a:pPr lvl="0" indent="0" marL="0">
+              <a:buNone/>
+            </a:pPr>
+            <a:r>
+              <a:rPr>
+                <a:hlinkClick r:id="rId4"/>
+              </a:rPr>
+              <a:t>https://mastering-shiny.org/basic-app.html</a:t>
+            </a:r>
+          </a:p>
+          <a:p>
+            <a:pPr lvl="0" indent="0" marL="0">
+              <a:buNone/>
+            </a:pPr>
+            <a:r>
+              <a:rPr>
+                <a:hlinkClick r:id="rId5"/>
+              </a:rPr>
+              <a:t>https://ourcodingclub.github.io/tutorials/shiny/</a:t>
+            </a:r>
+          </a:p>
+          <a:p>
+            <a:pPr lvl="0" indent="0" marL="0">
+              <a:buNone/>
+            </a:pPr>
+            <a:r>
+              <a:rPr>
+                <a:hlinkClick r:id="rId6"/>
+              </a:rPr>
+              <a:t>https://debruine.github.io/shinyintro/inputs.html</a:t>
+            </a:r>
+          </a:p>
+          <a:p>
+            <a:pPr lvl="0" indent="0" marL="0">
+              <a:buNone/>
+            </a:pPr>
+            <a:r>
+              <a:rPr>
+                <a:hlinkClick r:id="rId7"/>
+              </a:rPr>
+              <a:t>http://r-statistics.co/Top50-Ggplot2-Visualizations-MasterList-R-Code.html</a:t>
+            </a:r>
+          </a:p>
+        </p:txBody>
+      </p:sp>
+    </p:spTree>
+  </p:cSld>
+</p:sld>
+</file>
+
+<file path=ppt/slides/slide21.xml><?xml version="1.0" encoding="utf-8"?>
+<p:sld xmlns:a="http://schemas.openxmlformats.org/drawingml/2006/main" xmlns:r="http://schemas.openxmlformats.org/officeDocument/2006/relationships" xmlns:p="http://schemas.openxmlformats.org/presentationml/2006/main">
+  <p:cSld>
+    <p:spTree>
+      <p:nvGrpSpPr>
+        <p:cNvPr id="1" name=""/>
+        <p:cNvGrpSpPr/>
+        <p:nvPr/>
+      </p:nvGrpSpPr>
+      <p:grpSpPr>
+        <a:xfrm>
+          <a:off x="0" y="0"/>
+          <a:ext cx="0" cy="0"/>
+          <a:chOff x="0" y="0"/>
+          <a:chExt cx="0" cy="0"/>
+        </a:xfrm>
+      </p:grpSpPr>
+      <p:sp>
+        <p:nvSpPr>
+          <p:cNvPr id="2" name="Title 1"/>
+          <p:cNvSpPr>
+            <a:spLocks noGrp="1"/>
+          </p:cNvSpPr>
+          <p:nvPr>
+            <p:ph type="title"/>
+          </p:nvPr>
+        </p:nvSpPr>
+        <p:spPr/>
+        <p:txBody>
+          <a:bodyPr/>
+          <a:lstStyle/>
+          <a:p>
+            <a:pPr lvl="0" indent="0" marL="0">
+              <a:buNone/>
+            </a:pPr>
+            <a:r>
+              <a:rPr/>
+              <a:t>GITHUB</a:t>
+            </a:r>
+          </a:p>
+        </p:txBody>
+      </p:sp>
+      <p:sp>
+        <p:nvSpPr>
+          <p:cNvPr id="3" name="Content Placeholder 2"/>
+          <p:cNvSpPr>
+            <a:spLocks noGrp="1"/>
+          </p:cNvSpPr>
+          <p:nvPr>
+            <p:ph idx="1"/>
+          </p:nvPr>
+        </p:nvSpPr>
+        <p:spPr/>
+        <p:txBody>
+          <a:bodyPr/>
+          <a:lstStyle/>
+          <a:p>
+            <a:pPr lvl="0" indent="0" marL="0">
+              <a:buNone/>
+            </a:pPr>
+            <a:r>
+              <a:rPr/>
+              <a:t>Este material está em meu github, </a:t>
+            </a:r>
+            <a:r>
+              <a:rPr>
+                <a:hlinkClick r:id="rId2"/>
+              </a:rPr>
+              <a:t>https://github.com/AntonioBoll/ApresentacaoShiny</a:t>
+            </a:r>
+            <a:r>
+              <a:rPr/>
+              <a:t>.</a:t>
             </a:r>
           </a:p>
         </p:txBody>
@@ -3295,7 +4330,7 @@
             </a:pPr>
             <a:r>
               <a:rPr/>
-              <a:t>Slide with Bullets</a:t>
+              <a:t>Introdução à linguagem R</a:t>
             </a:r>
           </a:p>
         </p:txBody>
@@ -3315,24 +4350,67 @@
           <a:bodyPr/>
           <a:lstStyle/>
           <a:p>
-            <a:pPr lvl="0"/>
-            <a:r>
-              <a:rPr/>
-              <a:t>Bullet 1</a:t>
-            </a:r>
-          </a:p>
-          <a:p>
-            <a:pPr lvl="0"/>
-            <a:r>
-              <a:rPr/>
-              <a:t>Bullet 2</a:t>
-            </a:r>
-          </a:p>
-          <a:p>
-            <a:pPr lvl="0"/>
-            <a:r>
-              <a:rPr/>
-              <a:t>Bullet 3</a:t>
+            <a:pPr lvl="0" indent="0" marL="0">
+              <a:buNone/>
+            </a:pPr>
+            <a:r>
+              <a:rPr/>
+              <a:t>O mecanismo de programação R é uma linguagem aberta e utilizada por muitos estatísticos. Nela, podemos realizar problemas simples, como a média de uma coluna de variáveis, e problemas mais complexos, como a criação de um app em shiny. Irei utilizar esta linguagem como base nesta apresentação.</a:t>
+            </a:r>
+          </a:p>
+          <a:p>
+            <a:pPr lvl="0" indent="0" marL="0">
+              <a:buNone/>
+            </a:pPr>
+            <a:r>
+              <a:rPr/>
+              <a:t>Por exemplo, abaixo é realizada a média das cilindradas do banco mtcars, um problema simples resolvido pelo R.</a:t>
+            </a:r>
+          </a:p>
+          <a:p>
+            <a:pPr lvl="0" indent="0">
+              <a:buNone/>
+            </a:pPr>
+            <a:r>
+              <a:rPr>
+                <a:solidFill>
+                  <a:srgbClr val="06287E"/>
+                </a:solidFill>
+                <a:latin typeface="Courier"/>
+              </a:rPr>
+              <a:t>mean</a:t>
+            </a:r>
+            <a:r>
+              <a:rPr>
+                <a:latin typeface="Courier"/>
+              </a:rPr>
+              <a:t>(mtcars</a:t>
+            </a:r>
+            <a:r>
+              <a:rPr>
+                <a:solidFill>
+                  <a:srgbClr val="4070A0"/>
+                </a:solidFill>
+                <a:latin typeface="Courier"/>
+              </a:rPr>
+              <a:t>$</a:t>
+            </a:r>
+            <a:r>
+              <a:rPr>
+                <a:latin typeface="Courier"/>
+              </a:rPr>
+              <a:t>cyl)</a:t>
+            </a:r>
+          </a:p>
+          <a:p>
+            <a:pPr lvl="0" indent="0">
+              <a:buNone/>
+            </a:pPr>
+            <a:r>
+              <a:rPr>
+                <a:latin typeface="Courier"/>
+              </a:rPr>
+              <a:t>## [1] 6.1875</a:t>
             </a:r>
           </a:p>
         </p:txBody>
@@ -3379,7 +4457,7 @@
             </a:pPr>
             <a:r>
               <a:rPr/>
-              <a:t>Slide with R Output</a:t>
+              <a:t>Apresentação Shiny</a:t>
             </a:r>
           </a:p>
         </p:txBody>
@@ -3399,40 +4477,12 @@
           <a:bodyPr/>
           <a:lstStyle/>
           <a:p>
-            <a:pPr lvl="0" indent="0">
+            <a:pPr lvl="0" indent="0" marL="0">
               <a:buNone/>
             </a:pPr>
             <a:r>
-              <a:rPr>
-                <a:solidFill>
-                  <a:srgbClr val="06287E"/>
-                </a:solidFill>
-                <a:latin typeface="Courier"/>
-              </a:rPr>
-              <a:t>summary</a:t>
-            </a:r>
-            <a:r>
-              <a:rPr>
-                <a:latin typeface="Courier"/>
-              </a:rPr>
-              <a:t>(cars)</a:t>
-            </a:r>
-          </a:p>
-          <a:p>
-            <a:pPr lvl="0" indent="0">
-              <a:buNone/>
-            </a:pPr>
-            <a:r>
-              <a:rPr>
-                <a:latin typeface="Courier"/>
-              </a:rPr>
-              <a:t>##      speed           dist       
-##  Min.   : 4.0   Min.   :  2.00  
-##  1st Qu.:12.0   1st Qu.: 26.00  
-##  Median :15.0   Median : 36.00  
-##  Mean   :15.4   Mean   : 42.98  
-##  3rd Qu.:19.0   3rd Qu.: 56.00  
-##  Max.   :25.0   Max.   :120.00</a:t>
+              <a:rPr/>
+              <a:t>Através da linguagem R, é possível montar uma interface gráfica. Essa interface se chama Shiny, e nela, são apresentados resultados reativos que atualizam de acordo com a sua demanda. Ela ajuda a comunicar os dados de forma mais visual para que os não estatísticos possam compreender cada item.</a:t>
             </a:r>
           </a:p>
         </p:txBody>
@@ -3479,41 +4529,359 @@
             </a:pPr>
             <a:r>
               <a:rPr/>
-              <a:t>Slide with Plot</a:t>
-            </a:r>
-          </a:p>
-        </p:txBody>
-      </p:sp>
-      <p:pic>
-        <p:nvPicPr>
-          <p:cNvPr descr="apresentacao_files/figure-pptx/pressure-1.png" id="0" name="Picture 1"/>
-          <p:cNvPicPr>
-            <a:picLocks noGrp="1" noChangeAspect="1"/>
-          </p:cNvPicPr>
-          <p:nvPr/>
-        </p:nvPicPr>
-        <p:blipFill>
-          <a:blip r:embed="rId2"/>
-          <a:stretch>
-            <a:fillRect/>
-          </a:stretch>
-        </p:blipFill>
-        <p:spPr bwMode="auto">
-          <a:xfrm>
-            <a:off x="2451100" y="1193800"/>
-            <a:ext cx="4241800" cy="3390900"/>
-          </a:xfrm>
-          <a:prstGeom prst="rect">
-            <a:avLst/>
-          </a:prstGeom>
-          <a:noFill/>
-          <a:ln w="9525">
-            <a:noFill/>
-            <a:headEnd/>
-            <a:tailEnd/>
-          </a:ln>
-        </p:spPr>
-      </p:pic>
+              <a:t>Porque devo utilizar o Shiny?</a:t>
+            </a:r>
+          </a:p>
+        </p:txBody>
+      </p:sp>
+      <p:sp>
+        <p:nvSpPr>
+          <p:cNvPr id="3" name="Content Placeholder 2"/>
+          <p:cNvSpPr>
+            <a:spLocks noGrp="1"/>
+          </p:cNvSpPr>
+          <p:nvPr>
+            <p:ph idx="1"/>
+          </p:nvPr>
+        </p:nvSpPr>
+        <p:spPr/>
+        <p:txBody>
+          <a:bodyPr/>
+          <a:lstStyle/>
+          <a:p>
+            <a:pPr lvl="0"/>
+            <a:r>
+              <a:rPr/>
+              <a:t>Auxilia na visualização do problema;</a:t>
+            </a:r>
+          </a:p>
+          <a:p>
+            <a:pPr lvl="0"/>
+            <a:r>
+              <a:rPr/>
+              <a:t>Data interativa;</a:t>
+            </a:r>
+          </a:p>
+          <a:p>
+            <a:pPr lvl="0"/>
+            <a:r>
+              <a:rPr/>
+              <a:t>Ilustra a programação de forma prática.</a:t>
+            </a:r>
+          </a:p>
+        </p:txBody>
+      </p:sp>
+    </p:spTree>
+  </p:cSld>
+</p:sld>
+</file>
+
+<file path=ppt/slides/slide6.xml><?xml version="1.0" encoding="utf-8"?>
+<p:sld xmlns:a="http://schemas.openxmlformats.org/drawingml/2006/main" xmlns:r="http://schemas.openxmlformats.org/officeDocument/2006/relationships" xmlns:p="http://schemas.openxmlformats.org/presentationml/2006/main">
+  <p:cSld>
+    <p:spTree>
+      <p:nvGrpSpPr>
+        <p:cNvPr id="1" name=""/>
+        <p:cNvGrpSpPr/>
+        <p:nvPr/>
+      </p:nvGrpSpPr>
+      <p:grpSpPr>
+        <a:xfrm>
+          <a:off x="0" y="0"/>
+          <a:ext cx="0" cy="0"/>
+          <a:chOff x="0" y="0"/>
+          <a:chExt cx="0" cy="0"/>
+        </a:xfrm>
+      </p:grpSpPr>
+      <p:sp>
+        <p:nvSpPr>
+          <p:cNvPr id="2" name="Title 1"/>
+          <p:cNvSpPr>
+            <a:spLocks noGrp="1"/>
+          </p:cNvSpPr>
+          <p:nvPr>
+            <p:ph type="title"/>
+          </p:nvPr>
+        </p:nvSpPr>
+        <p:spPr/>
+        <p:txBody>
+          <a:bodyPr/>
+          <a:lstStyle/>
+          <a:p>
+            <a:pPr lvl="0" indent="0" marL="0">
+              <a:buNone/>
+            </a:pPr>
+            <a:r>
+              <a:rPr/>
+              <a:t>Reatividade</a:t>
+            </a:r>
+          </a:p>
+        </p:txBody>
+      </p:sp>
+      <p:sp>
+        <p:nvSpPr>
+          <p:cNvPr id="3" name="Content Placeholder 2"/>
+          <p:cNvSpPr>
+            <a:spLocks noGrp="1"/>
+          </p:cNvSpPr>
+          <p:nvPr>
+            <p:ph idx="1"/>
+          </p:nvPr>
+        </p:nvSpPr>
+        <p:spPr/>
+        <p:txBody>
+          <a:bodyPr/>
+          <a:lstStyle/>
+          <a:p>
+            <a:pPr lvl="0" indent="0" marL="0">
+              <a:buNone/>
+            </a:pPr>
+            <a:r>
+              <a:rPr/>
+              <a:t>No aplicativo Shiny, podemos atualizar variáveis de acordo com o que buscamos visualizar. Por exemplo, podemos determinar um limite de idade. Portanto, no aplicativo, será mostrado apenas o output filtrado nessas condições.</a:t>
+            </a:r>
+          </a:p>
+        </p:txBody>
+      </p:sp>
+    </p:spTree>
+  </p:cSld>
+</p:sld>
+</file>
+
+<file path=ppt/slides/slide7.xml><?xml version="1.0" encoding="utf-8"?>
+<p:sld xmlns:a="http://schemas.openxmlformats.org/drawingml/2006/main" xmlns:r="http://schemas.openxmlformats.org/officeDocument/2006/relationships" xmlns:p="http://schemas.openxmlformats.org/presentationml/2006/main">
+  <p:cSld>
+    <p:spTree>
+      <p:nvGrpSpPr>
+        <p:cNvPr id="1" name=""/>
+        <p:cNvGrpSpPr/>
+        <p:nvPr/>
+      </p:nvGrpSpPr>
+      <p:grpSpPr>
+        <a:xfrm>
+          <a:off x="0" y="0"/>
+          <a:ext cx="0" cy="0"/>
+          <a:chOff x="0" y="0"/>
+          <a:chExt cx="0" cy="0"/>
+        </a:xfrm>
+      </p:grpSpPr>
+      <p:sp>
+        <p:nvSpPr>
+          <p:cNvPr id="2" name="Title 1"/>
+          <p:cNvSpPr>
+            <a:spLocks noGrp="1"/>
+          </p:cNvSpPr>
+          <p:nvPr>
+            <p:ph type="title"/>
+          </p:nvPr>
+        </p:nvSpPr>
+        <p:spPr/>
+        <p:txBody>
+          <a:bodyPr/>
+          <a:lstStyle/>
+          <a:p>
+            <a:pPr lvl="0" indent="0" marL="0">
+              <a:buNone/>
+            </a:pPr>
+            <a:r>
+              <a:rPr/>
+              <a:t>Divisão shiny</a:t>
+            </a:r>
+          </a:p>
+        </p:txBody>
+      </p:sp>
+      <p:sp>
+        <p:nvSpPr>
+          <p:cNvPr id="3" name="Content Placeholder 2"/>
+          <p:cNvSpPr>
+            <a:spLocks noGrp="1"/>
+          </p:cNvSpPr>
+          <p:nvPr>
+            <p:ph idx="1"/>
+          </p:nvPr>
+        </p:nvSpPr>
+        <p:spPr/>
+        <p:txBody>
+          <a:bodyPr/>
+          <a:lstStyle/>
+          <a:p>
+            <a:pPr lvl="0" indent="0" marL="0">
+              <a:buNone/>
+            </a:pPr>
+            <a:r>
+              <a:rPr/>
+              <a:t>Nele, são divididas as funções em dois grandes grupos, o UI e o server.</a:t>
+            </a:r>
+          </a:p>
+          <a:p>
+            <a:pPr lvl="0"/>
+            <a:r>
+              <a:rPr/>
+              <a:t>A UI, denominada a partir de user interface, é a face gráfica do programa, o que vemos por externo.</a:t>
+            </a:r>
+          </a:p>
+          <a:p>
+            <a:pPr lvl="0"/>
+            <a:r>
+              <a:rPr/>
+              <a:t>O server é onde se programa o que é retornado, criando códigos de gráficos, tabelas, entre outros, que são mostrados na interface.</a:t>
+            </a:r>
+          </a:p>
+          <a:p>
+            <a:pPr lvl="0" indent="0" marL="0">
+              <a:buNone/>
+            </a:pPr>
+            <a:r>
+              <a:rPr/>
+              <a:t>Para que o programa possa rodar, o aplicativo deve chamar ambas funções, que se complementam e possibilitam um aplicativo ser formado.</a:t>
+            </a:r>
+          </a:p>
+        </p:txBody>
+      </p:sp>
+    </p:spTree>
+  </p:cSld>
+</p:sld>
+</file>
+
+<file path=ppt/slides/slide8.xml><?xml version="1.0" encoding="utf-8"?>
+<p:sld xmlns:a="http://schemas.openxmlformats.org/drawingml/2006/main" xmlns:r="http://schemas.openxmlformats.org/officeDocument/2006/relationships" xmlns:p="http://schemas.openxmlformats.org/presentationml/2006/main">
+  <p:cSld>
+    <p:spTree>
+      <p:nvGrpSpPr>
+        <p:cNvPr id="1" name=""/>
+        <p:cNvGrpSpPr/>
+        <p:nvPr/>
+      </p:nvGrpSpPr>
+      <p:grpSpPr>
+        <a:xfrm>
+          <a:off x="0" y="0"/>
+          <a:ext cx="0" cy="0"/>
+          <a:chOff x="0" y="0"/>
+          <a:chExt cx="0" cy="0"/>
+        </a:xfrm>
+      </p:grpSpPr>
+      <p:sp>
+        <p:nvSpPr>
+          <p:cNvPr id="2" name="Title 1"/>
+          <p:cNvSpPr>
+            <a:spLocks noGrp="1"/>
+          </p:cNvSpPr>
+          <p:nvPr>
+            <p:ph type="title"/>
+          </p:nvPr>
+        </p:nvSpPr>
+        <p:spPr/>
+        <p:txBody>
+          <a:bodyPr/>
+          <a:lstStyle/>
+          <a:p>
+            <a:pPr lvl="0" indent="0" marL="0">
+              <a:buNone/>
+            </a:pPr>
+            <a:r>
+              <a:rPr/>
+              <a:t>UI</a:t>
+            </a:r>
+          </a:p>
+        </p:txBody>
+      </p:sp>
+      <p:sp>
+        <p:nvSpPr>
+          <p:cNvPr id="3" name="Content Placeholder 2"/>
+          <p:cNvSpPr>
+            <a:spLocks noGrp="1"/>
+          </p:cNvSpPr>
+          <p:nvPr>
+            <p:ph idx="1"/>
+          </p:nvPr>
+        </p:nvSpPr>
+        <p:spPr/>
+        <p:txBody>
+          <a:bodyPr/>
+          <a:lstStyle/>
+          <a:p>
+            <a:pPr lvl="0" indent="0" marL="0">
+              <a:buNone/>
+            </a:pPr>
+            <a:r>
+              <a:rPr/>
+              <a:t>Como explicado antes, a UI é a parte gráfica do programa. Nela, podemos observar visualmente o programa, assim como trocar os inputs para gerar diferentes variações de sua saída. Por isso, a UI possui diversos exemplos de inputs e funções.</a:t>
+            </a:r>
+          </a:p>
+        </p:txBody>
+      </p:sp>
+    </p:spTree>
+  </p:cSld>
+</p:sld>
+</file>
+
+<file path=ppt/slides/slide9.xml><?xml version="1.0" encoding="utf-8"?>
+<p:sld xmlns:a="http://schemas.openxmlformats.org/drawingml/2006/main" xmlns:r="http://schemas.openxmlformats.org/officeDocument/2006/relationships" xmlns:p="http://schemas.openxmlformats.org/presentationml/2006/main">
+  <p:cSld>
+    <p:spTree>
+      <p:nvGrpSpPr>
+        <p:cNvPr id="1" name=""/>
+        <p:cNvGrpSpPr/>
+        <p:nvPr/>
+      </p:nvGrpSpPr>
+      <p:grpSpPr>
+        <a:xfrm>
+          <a:off x="0" y="0"/>
+          <a:ext cx="0" cy="0"/>
+          <a:chOff x="0" y="0"/>
+          <a:chExt cx="0" cy="0"/>
+        </a:xfrm>
+      </p:grpSpPr>
+      <p:sp>
+        <p:nvSpPr>
+          <p:cNvPr id="2" name="Title 1"/>
+          <p:cNvSpPr>
+            <a:spLocks noGrp="1"/>
+          </p:cNvSpPr>
+          <p:nvPr>
+            <p:ph type="title"/>
+          </p:nvPr>
+        </p:nvSpPr>
+        <p:spPr/>
+        <p:txBody>
+          <a:bodyPr/>
+          <a:lstStyle/>
+          <a:p>
+            <a:pPr lvl="0" indent="0" marL="0">
+              <a:buNone/>
+            </a:pPr>
+            <a:r>
+              <a:rPr/>
+              <a:t>Mecanismos na UI</a:t>
+            </a:r>
+          </a:p>
+        </p:txBody>
+      </p:sp>
+      <p:sp>
+        <p:nvSpPr>
+          <p:cNvPr id="3" name="Content Placeholder 2"/>
+          <p:cNvSpPr>
+            <a:spLocks noGrp="1"/>
+          </p:cNvSpPr>
+          <p:nvPr>
+            <p:ph idx="1"/>
+          </p:nvPr>
+        </p:nvSpPr>
+        <p:spPr/>
+        <p:txBody>
+          <a:bodyPr/>
+          <a:lstStyle/>
+          <a:p>
+            <a:pPr lvl="0" indent="0" marL="0">
+              <a:buNone/>
+            </a:pPr>
+            <a:r>
+              <a:rPr/>
+              <a:t>Podemos subdividir a UI em diferentes partes. Uma delas é a header, que cria um espaço de cabeçalho, onde posso colocar nomes, mensagens, entre outros.</a:t>
+            </a:r>
+          </a:p>
+        </p:txBody>
+      </p:sp>
     </p:spTree>
   </p:cSld>
 </p:sld>

--- a/apresentacao.pptx
+++ b/apresentacao.pptx
@@ -3812,7 +3812,7 @@
             </a:pPr>
             <a:r>
               <a:rPr/>
-              <a:t>No plotly, podemos utilizar o GGPlot de uma forma mais prática, observando os resultados ao colocar o mouse em cima da observação.</a:t>
+              <a:t>Com o plotly, podemos utilizar o GGPlot de uma forma mais prática, observando os resultados ao colocar o mouse em cima da observação.</a:t>
             </a:r>
           </a:p>
         </p:txBody>
@@ -4559,7 +4559,7 @@
             <a:pPr lvl="0"/>
             <a:r>
               <a:rPr/>
-              <a:t>Data interativa;</a:t>
+              <a:t>Dados interativos;</a:t>
             </a:r>
           </a:p>
           <a:p>
